--- a/Modulo 3 Troubleshoting en Workflows.pptx
+++ b/Modulo 3 Troubleshoting en Workflows.pptx
@@ -278,7 +278,7 @@
           <a:p>
             <a:fld id="{6C579FDE-7D26-4A69-83D0-43A9AB061EEC}" type="datetimeFigureOut">
               <a:rPr lang="es-PE" smtClean="0"/>
-              <a:t>25/01/2024</a:t>
+              <a:t>1/02/2024</a:t>
             </a:fld>
             <a:endParaRPr lang="es-PE"/>
           </a:p>
@@ -448,7 +448,7 @@
           <a:p>
             <a:fld id="{6C579FDE-7D26-4A69-83D0-43A9AB061EEC}" type="datetimeFigureOut">
               <a:rPr lang="es-PE" smtClean="0"/>
-              <a:t>25/01/2024</a:t>
+              <a:t>1/02/2024</a:t>
             </a:fld>
             <a:endParaRPr lang="es-PE"/>
           </a:p>
@@ -628,7 +628,7 @@
           <a:p>
             <a:fld id="{6C579FDE-7D26-4A69-83D0-43A9AB061EEC}" type="datetimeFigureOut">
               <a:rPr lang="es-PE" smtClean="0"/>
-              <a:t>25/01/2024</a:t>
+              <a:t>1/02/2024</a:t>
             </a:fld>
             <a:endParaRPr lang="es-PE"/>
           </a:p>
@@ -798,7 +798,7 @@
           <a:p>
             <a:fld id="{6C579FDE-7D26-4A69-83D0-43A9AB061EEC}" type="datetimeFigureOut">
               <a:rPr lang="es-PE" smtClean="0"/>
-              <a:t>25/01/2024</a:t>
+              <a:t>1/02/2024</a:t>
             </a:fld>
             <a:endParaRPr lang="es-PE"/>
           </a:p>
@@ -1044,7 +1044,7 @@
           <a:p>
             <a:fld id="{6C579FDE-7D26-4A69-83D0-43A9AB061EEC}" type="datetimeFigureOut">
               <a:rPr lang="es-PE" smtClean="0"/>
-              <a:t>25/01/2024</a:t>
+              <a:t>1/02/2024</a:t>
             </a:fld>
             <a:endParaRPr lang="es-PE"/>
           </a:p>
@@ -1276,7 +1276,7 @@
           <a:p>
             <a:fld id="{6C579FDE-7D26-4A69-83D0-43A9AB061EEC}" type="datetimeFigureOut">
               <a:rPr lang="es-PE" smtClean="0"/>
-              <a:t>25/01/2024</a:t>
+              <a:t>1/02/2024</a:t>
             </a:fld>
             <a:endParaRPr lang="es-PE"/>
           </a:p>
@@ -1643,7 +1643,7 @@
           <a:p>
             <a:fld id="{6C579FDE-7D26-4A69-83D0-43A9AB061EEC}" type="datetimeFigureOut">
               <a:rPr lang="es-PE" smtClean="0"/>
-              <a:t>25/01/2024</a:t>
+              <a:t>1/02/2024</a:t>
             </a:fld>
             <a:endParaRPr lang="es-PE"/>
           </a:p>
@@ -1761,7 +1761,7 @@
           <a:p>
             <a:fld id="{6C579FDE-7D26-4A69-83D0-43A9AB061EEC}" type="datetimeFigureOut">
               <a:rPr lang="es-PE" smtClean="0"/>
-              <a:t>25/01/2024</a:t>
+              <a:t>1/02/2024</a:t>
             </a:fld>
             <a:endParaRPr lang="es-PE"/>
           </a:p>
@@ -1856,7 +1856,7 @@
           <a:p>
             <a:fld id="{6C579FDE-7D26-4A69-83D0-43A9AB061EEC}" type="datetimeFigureOut">
               <a:rPr lang="es-PE" smtClean="0"/>
-              <a:t>25/01/2024</a:t>
+              <a:t>1/02/2024</a:t>
             </a:fld>
             <a:endParaRPr lang="es-PE"/>
           </a:p>
@@ -2133,7 +2133,7 @@
           <a:p>
             <a:fld id="{6C579FDE-7D26-4A69-83D0-43A9AB061EEC}" type="datetimeFigureOut">
               <a:rPr lang="es-PE" smtClean="0"/>
-              <a:t>25/01/2024</a:t>
+              <a:t>1/02/2024</a:t>
             </a:fld>
             <a:endParaRPr lang="es-PE"/>
           </a:p>
@@ -2386,7 +2386,7 @@
           <a:p>
             <a:fld id="{6C579FDE-7D26-4A69-83D0-43A9AB061EEC}" type="datetimeFigureOut">
               <a:rPr lang="es-PE" smtClean="0"/>
-              <a:t>25/01/2024</a:t>
+              <a:t>1/02/2024</a:t>
             </a:fld>
             <a:endParaRPr lang="es-PE"/>
           </a:p>
@@ -2599,7 +2599,7 @@
           <a:p>
             <a:fld id="{6C579FDE-7D26-4A69-83D0-43A9AB061EEC}" type="datetimeFigureOut">
               <a:rPr lang="es-PE" smtClean="0"/>
-              <a:t>25/01/2024</a:t>
+              <a:t>1/02/2024</a:t>
             </a:fld>
             <a:endParaRPr lang="es-PE"/>
           </a:p>
@@ -5038,7 +5038,7 @@
         </p:blipFill>
         <p:spPr>
           <a:xfrm>
-            <a:off x="1090031" y="2408222"/>
+            <a:off x="1125542" y="2346078"/>
             <a:ext cx="7618964" cy="4386494"/>
           </a:xfrm>
           <a:prstGeom prst="rect">
@@ -5360,7 +5360,7 @@
           <a:p>
             <a:r>
               <a:rPr lang="es-ES" dirty="0"/>
-              <a:t>El parámetro cátchup=True controla la creación de instancias previas al “start date”</a:t>
+              <a:t>El parámetro catchup=True controla la creación de instancias previas al “start date”</a:t>
             </a:r>
             <a:endParaRPr lang="es-PE" dirty="0"/>
           </a:p>
